--- a/presentation_Bobchenkov.pptx
+++ b/presentation_Bobchenkov.pptx
@@ -14,14 +14,16 @@
     <p:sldId id="259" r:id="rId8"/>
     <p:sldId id="262" r:id="rId9"/>
     <p:sldId id="264" r:id="rId10"/>
-    <p:sldId id="265" r:id="rId11"/>
-    <p:sldId id="266" r:id="rId12"/>
-    <p:sldId id="267" r:id="rId13"/>
-    <p:sldId id="272" r:id="rId14"/>
-    <p:sldId id="268" r:id="rId15"/>
-    <p:sldId id="270" r:id="rId16"/>
-    <p:sldId id="269" r:id="rId17"/>
-    <p:sldId id="271" r:id="rId18"/>
+    <p:sldId id="274" r:id="rId11"/>
+    <p:sldId id="273" r:id="rId12"/>
+    <p:sldId id="265" r:id="rId13"/>
+    <p:sldId id="266" r:id="rId14"/>
+    <p:sldId id="267" r:id="rId15"/>
+    <p:sldId id="272" r:id="rId16"/>
+    <p:sldId id="268" r:id="rId17"/>
+    <p:sldId id="270" r:id="rId18"/>
+    <p:sldId id="269" r:id="rId19"/>
+    <p:sldId id="271" r:id="rId20"/>
   </p:sldIdLst>
   <p:sldSz cx="12192000" cy="6858000"/>
   <p:notesSz cx="6858000" cy="9144000"/>
@@ -1226,7 +1228,7 @@
           <a:p>
             <a:fld id="{76969C88-B244-455D-A017-012B25B1ACDD}" type="datetimeFigureOut">
               <a:rPr lang="en-US" smtClean="0"/>
-              <a:t>12/28/2020</a:t>
+              <a:t>12/29/2020</a:t>
             </a:fld>
             <a:endParaRPr lang="en-US"/>
           </a:p>
@@ -1424,7 +1426,7 @@
           <a:p>
             <a:fld id="{76969C88-B244-455D-A017-012B25B1ACDD}" type="datetimeFigureOut">
               <a:rPr lang="en-US" smtClean="0"/>
-              <a:t>12/28/2020</a:t>
+              <a:t>12/29/2020</a:t>
             </a:fld>
             <a:endParaRPr lang="en-US"/>
           </a:p>
@@ -1632,7 +1634,7 @@
           <a:p>
             <a:fld id="{76969C88-B244-455D-A017-012B25B1ACDD}" type="datetimeFigureOut">
               <a:rPr lang="en-US" smtClean="0"/>
-              <a:t>12/28/2020</a:t>
+              <a:t>12/29/2020</a:t>
             </a:fld>
             <a:endParaRPr lang="en-US"/>
           </a:p>
@@ -1831,7 +1833,7 @@
           <a:p>
             <a:fld id="{76969C88-B244-455D-A017-012B25B1ACDD}" type="datetimeFigureOut">
               <a:rPr lang="en-US" smtClean="0"/>
-              <a:t>12/28/2020</a:t>
+              <a:t>12/29/2020</a:t>
             </a:fld>
             <a:endParaRPr lang="en-US"/>
           </a:p>
@@ -2106,7 +2108,7 @@
           <a:p>
             <a:fld id="{76969C88-B244-455D-A017-012B25B1ACDD}" type="datetimeFigureOut">
               <a:rPr lang="en-US" smtClean="0"/>
-              <a:t>12/28/2020</a:t>
+              <a:t>12/29/2020</a:t>
             </a:fld>
             <a:endParaRPr lang="en-US"/>
           </a:p>
@@ -2371,7 +2373,7 @@
           <a:p>
             <a:fld id="{76969C88-B244-455D-A017-012B25B1ACDD}" type="datetimeFigureOut">
               <a:rPr lang="en-US" smtClean="0"/>
-              <a:t>12/28/2020</a:t>
+              <a:t>12/29/2020</a:t>
             </a:fld>
             <a:endParaRPr lang="en-US"/>
           </a:p>
@@ -2783,7 +2785,7 @@
           <a:p>
             <a:fld id="{76969C88-B244-455D-A017-012B25B1ACDD}" type="datetimeFigureOut">
               <a:rPr lang="en-US" smtClean="0"/>
-              <a:t>12/28/2020</a:t>
+              <a:t>12/29/2020</a:t>
             </a:fld>
             <a:endParaRPr lang="en-US"/>
           </a:p>
@@ -2924,7 +2926,7 @@
           <a:p>
             <a:fld id="{76969C88-B244-455D-A017-012B25B1ACDD}" type="datetimeFigureOut">
               <a:rPr lang="en-US" smtClean="0"/>
-              <a:t>12/28/2020</a:t>
+              <a:t>12/29/2020</a:t>
             </a:fld>
             <a:endParaRPr lang="en-US"/>
           </a:p>
@@ -3037,7 +3039,7 @@
           <a:p>
             <a:fld id="{76969C88-B244-455D-A017-012B25B1ACDD}" type="datetimeFigureOut">
               <a:rPr lang="en-US" smtClean="0"/>
-              <a:t>12/28/2020</a:t>
+              <a:t>12/29/2020</a:t>
             </a:fld>
             <a:endParaRPr lang="en-US"/>
           </a:p>
@@ -3349,7 +3351,7 @@
           <a:p>
             <a:fld id="{76969C88-B244-455D-A017-012B25B1ACDD}" type="datetimeFigureOut">
               <a:rPr lang="en-US" smtClean="0"/>
-              <a:t>12/28/2020</a:t>
+              <a:t>12/29/2020</a:t>
             </a:fld>
             <a:endParaRPr lang="en-US"/>
           </a:p>
@@ -3640,7 +3642,7 @@
           <a:p>
             <a:fld id="{76969C88-B244-455D-A017-012B25B1ACDD}" type="datetimeFigureOut">
               <a:rPr lang="en-US" smtClean="0"/>
-              <a:t>12/28/2020</a:t>
+              <a:t>12/29/2020</a:t>
             </a:fld>
             <a:endParaRPr lang="en-US"/>
           </a:p>
@@ -4396,7 +4398,7 @@
             <a:fld id="{76969C88-B244-455D-A017-012B25B1ACDD}" type="datetimeFigureOut">
               <a:rPr lang="en-US" smtClean="0"/>
               <a:pPr/>
-              <a:t>12/28/2020</a:t>
+              <a:t>12/29/2020</a:t>
             </a:fld>
             <a:endParaRPr lang="en-US"/>
           </a:p>
@@ -5298,7 +5300,7 @@
           <p:cNvPr id="2" name="Заголовок 1">
             <a:extLst>
               <a:ext uri="{FF2B5EF4-FFF2-40B4-BE49-F238E27FC236}">
-                <a16:creationId xmlns:a16="http://schemas.microsoft.com/office/drawing/2014/main" id="{03AA03D4-4B6D-48C9-B023-79AB4E8070F5}"/>
+                <a16:creationId xmlns:a16="http://schemas.microsoft.com/office/drawing/2014/main" id="{C2BF28F2-6751-42C8-A9BE-E0C528B21238}"/>
               </a:ext>
             </a:extLst>
           </p:cNvPr>
@@ -5318,148 +5320,58 @@
           <a:p>
             <a:r>
               <a:rPr lang="ru-RU" sz="2800"/>
-              <a:t>Эксперименты по файн-тюнингу </a:t>
+              <a:t>Немного о </a:t>
             </a:r>
             <a:r>
               <a:rPr lang="en-US" sz="2800"/>
-              <a:t>RESNET-50.</a:t>
-            </a:r>
-            <a:br>
-              <a:rPr lang="en-US" sz="2800"/>
-            </a:br>
-            <a:r>
-              <a:rPr lang="en-US" sz="2800"/>
-              <a:t>1. </a:t>
+              <a:t>RESNET-50 </a:t>
             </a:r>
             <a:r>
               <a:rPr lang="ru-RU" sz="2800"/>
-              <a:t>Аугментация датасета</a:t>
+              <a:t>(устройство)</a:t>
             </a:r>
           </a:p>
         </p:txBody>
       </p:sp>
-      <p:sp>
-        <p:nvSpPr>
-          <p:cNvPr id="3" name="Объект 2">
-            <a:extLst>
-              <a:ext uri="{FF2B5EF4-FFF2-40B4-BE49-F238E27FC236}">
-                <a16:creationId xmlns:a16="http://schemas.microsoft.com/office/drawing/2014/main" id="{99F16E81-A413-4CC4-A5C9-DE9037C8ED97}"/>
-              </a:ext>
-            </a:extLst>
-          </p:cNvPr>
-          <p:cNvSpPr>
-            <a:spLocks noGrp="1"/>
-          </p:cNvSpPr>
+      <p:pic>
+        <p:nvPicPr>
+          <p:cNvPr id="5" name="Объект 4">
+            <a:extLst>
+              <a:ext uri="{FF2B5EF4-FFF2-40B4-BE49-F238E27FC236}">
+                <a16:creationId xmlns:a16="http://schemas.microsoft.com/office/drawing/2014/main" id="{1457D5A9-6397-418A-8C13-9F4B57E3098D}"/>
+              </a:ext>
+            </a:extLst>
+          </p:cNvPr>
+          <p:cNvPicPr>
+            <a:picLocks noGrp="1" noChangeAspect="1"/>
+          </p:cNvPicPr>
           <p:nvPr>
             <p:ph idx="1"/>
           </p:nvPr>
-        </p:nvSpPr>
-        <p:spPr/>
-        <p:txBody>
-          <a:bodyPr>
-            <a:normAutofit/>
-          </a:bodyPr>
-          <a:lstStyle/>
-          <a:p>
-            <a:pPr marL="0" indent="0">
-              <a:buNone/>
-            </a:pPr>
-            <a:r>
-              <a:rPr lang="ru-RU" sz="1800"/>
-              <a:t>Как было сказано ранее, обучающая выборка </a:t>
-            </a:r>
-            <a:r>
-              <a:rPr lang="ru-RU" sz="1800" b="1"/>
-              <a:t>уже</a:t>
-            </a:r>
-            <a:r>
-              <a:rPr lang="ru-RU" sz="1800"/>
-              <a:t> достаточно разнообразна по изображениям, есть как черно-белые, так и цветные, с разной контрастностью, с лицами в разных ракурсах и т.п. Для проверки работы архитектуры на датасете с аугментацией данных были применены следующие техники:</a:t>
-            </a:r>
-          </a:p>
-          <a:p>
-            <a:r>
-              <a:rPr lang="ru-RU" sz="1800"/>
-              <a:t>увеличение</a:t>
-            </a:r>
-            <a:r>
-              <a:rPr lang="en-US" sz="1800"/>
-              <a:t>/</a:t>
-            </a:r>
-            <a:r>
-              <a:rPr lang="ru-RU" sz="1800"/>
-              <a:t>уменьшение размеров на </a:t>
-            </a:r>
-            <a:r>
-              <a:rPr lang="en-US" sz="1800"/>
-              <a:t>20% </a:t>
-            </a:r>
-            <a:r>
-              <a:rPr lang="ru-RU" sz="1800"/>
-              <a:t>(</a:t>
-            </a:r>
-            <a:r>
-              <a:rPr lang="en-US" sz="1800"/>
-              <a:t>zoom)</a:t>
-            </a:r>
-            <a:r>
-              <a:rPr lang="ru-RU" sz="1800"/>
-              <a:t>;</a:t>
-            </a:r>
-            <a:endParaRPr lang="en-US" sz="1800"/>
-          </a:p>
-          <a:p>
-            <a:r>
-              <a:rPr lang="ru-RU" sz="1800"/>
-              <a:t>вращение на угол </a:t>
-            </a:r>
-            <a:r>
-              <a:rPr lang="en-US" sz="1800"/>
-              <a:t>±10°</a:t>
-            </a:r>
-            <a:r>
-              <a:rPr lang="ru-RU" sz="1800"/>
-              <a:t> </a:t>
-            </a:r>
-            <a:r>
-              <a:rPr lang="en-US" sz="1800"/>
-              <a:t>(rotation</a:t>
-            </a:r>
-            <a:r>
-              <a:rPr lang="ru-RU" sz="1800"/>
-              <a:t>_</a:t>
-            </a:r>
-            <a:r>
-              <a:rPr lang="en-US" sz="1800"/>
-              <a:t>range)</a:t>
-            </a:r>
-            <a:r>
-              <a:rPr lang="ru-RU" sz="1800"/>
-              <a:t>.</a:t>
-            </a:r>
-            <a:endParaRPr lang="ru-RU" sz="1800">
-              <a:latin typeface="MS Shell Dlg 2" panose="020B0604030504040204" pitchFamily="34" charset="0"/>
-            </a:endParaRPr>
-          </a:p>
-          <a:p>
-            <a:pPr marL="0" indent="0">
-              <a:buNone/>
-            </a:pPr>
-            <a:r>
-              <a:rPr lang="ru-RU" sz="1800"/>
-              <a:t>Обучение проводилось на сети, полученной на предыдущем этапе, в течение 5 эпох. В результате точность на тренировочном сете возросла до 0,534, точность на валидационном сете точность составила 0,4407 против 0,4451 при обучении без аугментации. </a:t>
-            </a:r>
-            <a:r>
-              <a:rPr lang="ru-RU" sz="1800" b="1"/>
-              <a:t>Время обучения возрастает вдвое!</a:t>
-            </a:r>
-          </a:p>
-        </p:txBody>
-      </p:sp>
+        </p:nvPicPr>
+        <p:blipFill>
+          <a:blip r:embed="rId2">
+            <a:extLst>
+              <a:ext uri="{28A0092B-C50C-407E-A947-70E740481C1C}">
+                <a14:useLocalDpi xmlns:a14="http://schemas.microsoft.com/office/drawing/2010/main" val="0"/>
+              </a:ext>
+            </a:extLst>
+          </a:blip>
+          <a:stretch>
+            <a:fillRect/>
+          </a:stretch>
+        </p:blipFill>
+        <p:spPr>
+          <a:xfrm>
+            <a:off x="1715161" y="2175934"/>
+            <a:ext cx="8761678" cy="3817938"/>
+          </a:xfrm>
+        </p:spPr>
+      </p:pic>
     </p:spTree>
     <p:extLst>
       <p:ext uri="{BB962C8B-B14F-4D97-AF65-F5344CB8AC3E}">
-        <p14:creationId xmlns:p14="http://schemas.microsoft.com/office/powerpoint/2010/main" val="2324532036"/>
+        <p14:creationId xmlns:p14="http://schemas.microsoft.com/office/powerpoint/2010/main" val="125635537"/>
       </p:ext>
     </p:extLst>
   </p:cSld>
@@ -5491,6 +5403,309 @@
           <p:cNvPr id="2" name="Заголовок 1">
             <a:extLst>
               <a:ext uri="{FF2B5EF4-FFF2-40B4-BE49-F238E27FC236}">
+                <a16:creationId xmlns:a16="http://schemas.microsoft.com/office/drawing/2014/main" id="{8F79887C-27B9-49D7-8875-FA662E6515C5}"/>
+              </a:ext>
+            </a:extLst>
+          </p:cNvPr>
+          <p:cNvSpPr>
+            <a:spLocks noGrp="1"/>
+          </p:cNvSpPr>
+          <p:nvPr>
+            <p:ph type="title"/>
+          </p:nvPr>
+        </p:nvSpPr>
+        <p:spPr/>
+        <p:txBody>
+          <a:bodyPr>
+            <a:normAutofit/>
+          </a:bodyPr>
+          <a:lstStyle/>
+          <a:p>
+            <a:r>
+              <a:rPr lang="ru-RU" sz="2800"/>
+              <a:t>Еще сравнительные результаты по архитектурам</a:t>
+            </a:r>
+            <a:br>
+              <a:rPr lang="ru-RU" sz="2800"/>
+            </a:br>
+            <a:r>
+              <a:rPr lang="ru-RU" sz="2800"/>
+              <a:t>(</a:t>
+            </a:r>
+            <a:r>
+              <a:rPr lang="en-US" sz="2000"/>
+              <a:t>https://www.liip.ch/en/blog/zoo-pokedex-part-2-hands-on-with-keras-and-resnet50</a:t>
+            </a:r>
+            <a:r>
+              <a:rPr lang="ru-RU" sz="2000"/>
+              <a:t>)</a:t>
+            </a:r>
+          </a:p>
+        </p:txBody>
+      </p:sp>
+      <p:pic>
+        <p:nvPicPr>
+          <p:cNvPr id="5" name="Объект 4">
+            <a:extLst>
+              <a:ext uri="{FF2B5EF4-FFF2-40B4-BE49-F238E27FC236}">
+                <a16:creationId xmlns:a16="http://schemas.microsoft.com/office/drawing/2014/main" id="{F7CFD0EA-527A-4C25-9C69-CA6F5D914331}"/>
+              </a:ext>
+            </a:extLst>
+          </p:cNvPr>
+          <p:cNvPicPr>
+            <a:picLocks noGrp="1" noChangeAspect="1"/>
+          </p:cNvPicPr>
+          <p:nvPr>
+            <p:ph idx="1"/>
+          </p:nvPr>
+        </p:nvPicPr>
+        <p:blipFill>
+          <a:blip r:embed="rId2">
+            <a:extLst>
+              <a:ext uri="{28A0092B-C50C-407E-A947-70E740481C1C}">
+                <a14:useLocalDpi xmlns:a14="http://schemas.microsoft.com/office/drawing/2010/main" val="0"/>
+              </a:ext>
+            </a:extLst>
+          </a:blip>
+          <a:stretch>
+            <a:fillRect/>
+          </a:stretch>
+        </p:blipFill>
+        <p:spPr>
+          <a:xfrm>
+            <a:off x="3378487" y="2286000"/>
+            <a:ext cx="5435025" cy="3817938"/>
+          </a:xfrm>
+        </p:spPr>
+      </p:pic>
+    </p:spTree>
+    <p:extLst>
+      <p:ext uri="{BB962C8B-B14F-4D97-AF65-F5344CB8AC3E}">
+        <p14:creationId xmlns:p14="http://schemas.microsoft.com/office/powerpoint/2010/main" val="3814647260"/>
+      </p:ext>
+    </p:extLst>
+  </p:cSld>
+  <p:clrMapOvr>
+    <a:masterClrMapping/>
+  </p:clrMapOvr>
+</p:sld>
+</file>
+
+<file path=ppt/slides/slide12.xml><?xml version="1.0" encoding="utf-8"?>
+<p:sld xmlns:a="http://schemas.openxmlformats.org/drawingml/2006/main" xmlns:r="http://schemas.openxmlformats.org/officeDocument/2006/relationships" xmlns:p="http://schemas.openxmlformats.org/presentationml/2006/main">
+  <p:cSld>
+    <p:spTree>
+      <p:nvGrpSpPr>
+        <p:cNvPr id="1" name=""/>
+        <p:cNvGrpSpPr/>
+        <p:nvPr/>
+      </p:nvGrpSpPr>
+      <p:grpSpPr>
+        <a:xfrm>
+          <a:off x="0" y="0"/>
+          <a:ext cx="0" cy="0"/>
+          <a:chOff x="0" y="0"/>
+          <a:chExt cx="0" cy="0"/>
+        </a:xfrm>
+      </p:grpSpPr>
+      <p:sp>
+        <p:nvSpPr>
+          <p:cNvPr id="2" name="Заголовок 1">
+            <a:extLst>
+              <a:ext uri="{FF2B5EF4-FFF2-40B4-BE49-F238E27FC236}">
+                <a16:creationId xmlns:a16="http://schemas.microsoft.com/office/drawing/2014/main" id="{03AA03D4-4B6D-48C9-B023-79AB4E8070F5}"/>
+              </a:ext>
+            </a:extLst>
+          </p:cNvPr>
+          <p:cNvSpPr>
+            <a:spLocks noGrp="1"/>
+          </p:cNvSpPr>
+          <p:nvPr>
+            <p:ph type="title"/>
+          </p:nvPr>
+        </p:nvSpPr>
+        <p:spPr/>
+        <p:txBody>
+          <a:bodyPr>
+            <a:normAutofit/>
+          </a:bodyPr>
+          <a:lstStyle/>
+          <a:p>
+            <a:r>
+              <a:rPr lang="ru-RU" sz="2800"/>
+              <a:t>Эксперименты по файн-тюнингу </a:t>
+            </a:r>
+            <a:r>
+              <a:rPr lang="en-US" sz="2800"/>
+              <a:t>RESNET-50.</a:t>
+            </a:r>
+            <a:br>
+              <a:rPr lang="en-US" sz="2800"/>
+            </a:br>
+            <a:r>
+              <a:rPr lang="en-US" sz="2800"/>
+              <a:t>1. </a:t>
+            </a:r>
+            <a:r>
+              <a:rPr lang="ru-RU" sz="2800"/>
+              <a:t>Аугментация датасета</a:t>
+            </a:r>
+          </a:p>
+        </p:txBody>
+      </p:sp>
+      <p:sp>
+        <p:nvSpPr>
+          <p:cNvPr id="3" name="Объект 2">
+            <a:extLst>
+              <a:ext uri="{FF2B5EF4-FFF2-40B4-BE49-F238E27FC236}">
+                <a16:creationId xmlns:a16="http://schemas.microsoft.com/office/drawing/2014/main" id="{99F16E81-A413-4CC4-A5C9-DE9037C8ED97}"/>
+              </a:ext>
+            </a:extLst>
+          </p:cNvPr>
+          <p:cNvSpPr>
+            <a:spLocks noGrp="1"/>
+          </p:cNvSpPr>
+          <p:nvPr>
+            <p:ph idx="1"/>
+          </p:nvPr>
+        </p:nvSpPr>
+        <p:spPr/>
+        <p:txBody>
+          <a:bodyPr>
+            <a:normAutofit/>
+          </a:bodyPr>
+          <a:lstStyle/>
+          <a:p>
+            <a:pPr marL="0" indent="0">
+              <a:buNone/>
+            </a:pPr>
+            <a:r>
+              <a:rPr lang="ru-RU" sz="1800"/>
+              <a:t>Как было сказано ранее, обучающая выборка </a:t>
+            </a:r>
+            <a:r>
+              <a:rPr lang="ru-RU" sz="1800" b="1"/>
+              <a:t>уже</a:t>
+            </a:r>
+            <a:r>
+              <a:rPr lang="ru-RU" sz="1800"/>
+              <a:t> достаточно разнообразна по изображениям, есть как черно-белые, так и цветные, с разной контрастностью, с лицами в разных ракурсах и т.п. Для проверки работы архитектуры на датасете с аугментацией данных были применены следующие техники:</a:t>
+            </a:r>
+          </a:p>
+          <a:p>
+            <a:r>
+              <a:rPr lang="ru-RU" sz="1800"/>
+              <a:t>увеличение</a:t>
+            </a:r>
+            <a:r>
+              <a:rPr lang="en-US" sz="1800"/>
+              <a:t>/</a:t>
+            </a:r>
+            <a:r>
+              <a:rPr lang="ru-RU" sz="1800"/>
+              <a:t>уменьшение размеров на </a:t>
+            </a:r>
+            <a:r>
+              <a:rPr lang="en-US" sz="1800"/>
+              <a:t>20% </a:t>
+            </a:r>
+            <a:r>
+              <a:rPr lang="ru-RU" sz="1800"/>
+              <a:t>(</a:t>
+            </a:r>
+            <a:r>
+              <a:rPr lang="en-US" sz="1800"/>
+              <a:t>zoom)</a:t>
+            </a:r>
+            <a:r>
+              <a:rPr lang="ru-RU" sz="1800"/>
+              <a:t>;</a:t>
+            </a:r>
+            <a:endParaRPr lang="en-US" sz="1800"/>
+          </a:p>
+          <a:p>
+            <a:r>
+              <a:rPr lang="ru-RU" sz="1800"/>
+              <a:t>вращение на угол </a:t>
+            </a:r>
+            <a:r>
+              <a:rPr lang="en-US" sz="1800"/>
+              <a:t>±10°</a:t>
+            </a:r>
+            <a:r>
+              <a:rPr lang="ru-RU" sz="1800"/>
+              <a:t> </a:t>
+            </a:r>
+            <a:r>
+              <a:rPr lang="en-US" sz="1800"/>
+              <a:t>(rotation</a:t>
+            </a:r>
+            <a:r>
+              <a:rPr lang="ru-RU" sz="1800"/>
+              <a:t>_</a:t>
+            </a:r>
+            <a:r>
+              <a:rPr lang="en-US" sz="1800"/>
+              <a:t>range)</a:t>
+            </a:r>
+            <a:r>
+              <a:rPr lang="ru-RU" sz="1800"/>
+              <a:t>.</a:t>
+            </a:r>
+            <a:endParaRPr lang="ru-RU" sz="1800">
+              <a:latin typeface="MS Shell Dlg 2" panose="020B0604030504040204" pitchFamily="34" charset="0"/>
+            </a:endParaRPr>
+          </a:p>
+          <a:p>
+            <a:pPr marL="0" indent="0">
+              <a:buNone/>
+            </a:pPr>
+            <a:r>
+              <a:rPr lang="ru-RU" sz="1800"/>
+              <a:t>Обучение проводилось на сети, полученной на предыдущем этапе, в течение 5 эпох. В результате точность на тренировочном сете возросла до 0,534, точность на валидационном сете точность составила 0,4407 против 0,4451 при обучении без аугментации. </a:t>
+            </a:r>
+            <a:r>
+              <a:rPr lang="ru-RU" sz="1800" b="1"/>
+              <a:t>Время обучения возрастает вдвое!</a:t>
+            </a:r>
+          </a:p>
+        </p:txBody>
+      </p:sp>
+    </p:spTree>
+    <p:extLst>
+      <p:ext uri="{BB962C8B-B14F-4D97-AF65-F5344CB8AC3E}">
+        <p14:creationId xmlns:p14="http://schemas.microsoft.com/office/powerpoint/2010/main" val="2324532036"/>
+      </p:ext>
+    </p:extLst>
+  </p:cSld>
+  <p:clrMapOvr>
+    <a:masterClrMapping/>
+  </p:clrMapOvr>
+</p:sld>
+</file>
+
+<file path=ppt/slides/slide13.xml><?xml version="1.0" encoding="utf-8"?>
+<p:sld xmlns:a="http://schemas.openxmlformats.org/drawingml/2006/main" xmlns:r="http://schemas.openxmlformats.org/officeDocument/2006/relationships" xmlns:p="http://schemas.openxmlformats.org/presentationml/2006/main">
+  <p:cSld>
+    <p:spTree>
+      <p:nvGrpSpPr>
+        <p:cNvPr id="1" name=""/>
+        <p:cNvGrpSpPr/>
+        <p:nvPr/>
+      </p:nvGrpSpPr>
+      <p:grpSpPr>
+        <a:xfrm>
+          <a:off x="0" y="0"/>
+          <a:ext cx="0" cy="0"/>
+          <a:chOff x="0" y="0"/>
+          <a:chExt cx="0" cy="0"/>
+        </a:xfrm>
+      </p:grpSpPr>
+      <p:sp>
+        <p:nvSpPr>
+          <p:cNvPr id="2" name="Заголовок 1">
+            <a:extLst>
+              <a:ext uri="{FF2B5EF4-FFF2-40B4-BE49-F238E27FC236}">
                 <a16:creationId xmlns:a16="http://schemas.microsoft.com/office/drawing/2014/main" id="{665E570F-F471-49DD-842A-998321B75616}"/>
               </a:ext>
             </a:extLst>
@@ -5632,7 +5847,7 @@
 </p:sld>
 </file>
 
-<file path=ppt/slides/slide12.xml><?xml version="1.0" encoding="utf-8"?>
+<file path=ppt/slides/slide14.xml><?xml version="1.0" encoding="utf-8"?>
 <p:sld xmlns:a="http://schemas.openxmlformats.org/drawingml/2006/main" xmlns:r="http://schemas.openxmlformats.org/officeDocument/2006/relationships" xmlns:p="http://schemas.openxmlformats.org/presentationml/2006/main">
   <p:cSld>
     <p:spTree>
@@ -5832,7 +6047,7 @@
 </p:sld>
 </file>
 
-<file path=ppt/slides/slide13.xml><?xml version="1.0" encoding="utf-8"?>
+<file path=ppt/slides/slide15.xml><?xml version="1.0" encoding="utf-8"?>
 <p:sld xmlns:a="http://schemas.openxmlformats.org/drawingml/2006/main" xmlns:r="http://schemas.openxmlformats.org/officeDocument/2006/relationships" xmlns:p="http://schemas.openxmlformats.org/presentationml/2006/main">
   <p:cSld>
     <p:spTree>
@@ -6182,7 +6397,7 @@
 </p:sld>
 </file>
 
-<file path=ppt/slides/slide14.xml><?xml version="1.0" encoding="utf-8"?>
+<file path=ppt/slides/slide16.xml><?xml version="1.0" encoding="utf-8"?>
 <p:sld xmlns:a="http://schemas.openxmlformats.org/drawingml/2006/main" xmlns:r="http://schemas.openxmlformats.org/officeDocument/2006/relationships" xmlns:p="http://schemas.openxmlformats.org/presentationml/2006/main">
   <p:cSld>
     <p:spTree>
@@ -7370,7 +7585,7 @@
 </p:sld>
 </file>
 
-<file path=ppt/slides/slide15.xml><?xml version="1.0" encoding="utf-8"?>
+<file path=ppt/slides/slide17.xml><?xml version="1.0" encoding="utf-8"?>
 <p:sld xmlns:a="http://schemas.openxmlformats.org/drawingml/2006/main" xmlns:r="http://schemas.openxmlformats.org/officeDocument/2006/relationships" xmlns:p="http://schemas.openxmlformats.org/presentationml/2006/main">
   <p:cSld>
     <p:spTree>
@@ -7503,7 +7718,7 @@
 </p:sld>
 </file>
 
-<file path=ppt/slides/slide16.xml><?xml version="1.0" encoding="utf-8"?>
+<file path=ppt/slides/slide18.xml><?xml version="1.0" encoding="utf-8"?>
 <p:sld xmlns:a="http://schemas.openxmlformats.org/drawingml/2006/main" xmlns:r="http://schemas.openxmlformats.org/officeDocument/2006/relationships" xmlns:p="http://schemas.openxmlformats.org/presentationml/2006/main">
   <p:cSld>
     <p:spTree>
@@ -7763,7 +7978,7 @@
 </p:sld>
 </file>
 
-<file path=ppt/slides/slide17.xml><?xml version="1.0" encoding="utf-8"?>
+<file path=ppt/slides/slide19.xml><?xml version="1.0" encoding="utf-8"?>
 <p:sld xmlns:a="http://schemas.openxmlformats.org/drawingml/2006/main" xmlns:r="http://schemas.openxmlformats.org/officeDocument/2006/relationships" xmlns:p="http://schemas.openxmlformats.org/presentationml/2006/main">
   <p:cSld>
     <p:spTree>
@@ -11655,7 +11870,15 @@
             </a:r>
             <a:r>
               <a:rPr lang="ru-RU" sz="1400"/>
-              <a:t>Новация в виде прямых связей между блоками слоев</a:t>
+              <a:t>Новация в виде прямых связей </a:t>
+            </a:r>
+            <a:r>
+              <a:rPr lang="en-US" sz="1400"/>
+              <a:t>(shortcut connections) </a:t>
+            </a:r>
+            <a:r>
+              <a:rPr lang="ru-RU" sz="1400"/>
+              <a:t>между блоками остаточной сети</a:t>
             </a:r>
             <a:r>
               <a:rPr lang="en-US" sz="1400"/>
